--- a/Taxi-Weather-ERD-20161104.pptx
+++ b/Taxi-Weather-ERD-20161104.pptx
@@ -2958,7 +2958,7 @@
         <p:spPr>
           <a:xfrm>
             <a:off x="738310" y="819085"/>
-            <a:ext cx="1758768" cy="276999"/>
+            <a:ext cx="2335090" cy="276999"/>
           </a:xfrm>
           <a:prstGeom prst="rect">
             <a:avLst/>
@@ -3163,7 +3163,6 @@
                         <a:rPr lang="en-US" sz="1000" dirty="0"/>
                         <a:t>Total_amount</a:t>
                       </a:r>
-                      <a:endParaRPr lang="en-US" sz="1000" dirty="0"/>
                     </a:p>
                   </a:txBody>
                   <a:tcPr/>
@@ -3373,6 +3372,565 @@
           </a:p>
         </p:txBody>
       </p:sp>
+      <p:sp>
+        <p:nvSpPr>
+          <p:cNvPr id="6" name="Rectangle 5"/>
+          <p:cNvSpPr/>
+          <p:nvPr/>
+        </p:nvSpPr>
+        <p:spPr>
+          <a:xfrm>
+            <a:off x="3809400" y="819085"/>
+            <a:ext cx="2335090" cy="276999"/>
+          </a:xfrm>
+          <a:prstGeom prst="rect">
+            <a:avLst/>
+          </a:prstGeom>
+        </p:spPr>
+        <p:txBody>
+          <a:bodyPr wrap="square">
+            <a:spAutoFit/>
+          </a:bodyPr>
+          <a:lstStyle/>
+          <a:p>
+            <a:pPr algn="ctr"/>
+            <a:r>
+              <a:rPr lang="en-US" sz="1200" b="1" dirty="0" err="1"/>
+              <a:t>green_rides_schema</a:t>
+            </a:r>
+            <a:endParaRPr lang="en-US" sz="1200" b="1" dirty="0"/>
+          </a:p>
+        </p:txBody>
+      </p:sp>
+      <p:graphicFrame>
+        <p:nvGraphicFramePr>
+          <p:cNvPr id="7" name="Table 6"/>
+          <p:cNvGraphicFramePr>
+            <a:graphicFrameLocks noGrp="1"/>
+          </p:cNvGraphicFramePr>
+          <p:nvPr>
+            <p:extLst>
+              <p:ext uri="{D42A27DB-BD31-4B8C-83A1-F6EECF244321}">
+                <p14:modId xmlns:p14="http://schemas.microsoft.com/office/powerpoint/2010/main" val="1492040534"/>
+              </p:ext>
+            </p:extLst>
+          </p:nvPr>
+        </p:nvGraphicFramePr>
+        <p:xfrm>
+          <a:off x="3809399" y="1089515"/>
+          <a:ext cx="2335091" cy="3383280"/>
+        </p:xfrm>
+        <a:graphic>
+          <a:graphicData uri="http://schemas.openxmlformats.org/drawingml/2006/table">
+            <a:tbl>
+              <a:tblPr bandRow="1">
+                <a:tableStyleId>{5C22544A-7EE6-4342-B048-85BDC9FD1C3A}</a:tableStyleId>
+              </a:tblPr>
+              <a:tblGrid>
+                <a:gridCol w="1717024">
+                  <a:extLst>
+                    <a:ext uri="{9D8B030D-6E8A-4147-A177-3AD203B41FA5}">
+                      <a16:colId xmlns:a16="http://schemas.microsoft.com/office/drawing/2014/main" val="2146396053"/>
+                    </a:ext>
+                  </a:extLst>
+                </a:gridCol>
+                <a:gridCol w="618067">
+                  <a:extLst>
+                    <a:ext uri="{9D8B030D-6E8A-4147-A177-3AD203B41FA5}">
+                      <a16:colId xmlns:a16="http://schemas.microsoft.com/office/drawing/2014/main" val="872119490"/>
+                    </a:ext>
+                  </a:extLst>
+                </a:gridCol>
+              </a:tblGrid>
+              <a:tr h="221367">
+                <a:tc>
+                  <a:txBody>
+                    <a:bodyPr/>
+                    <a:lstStyle/>
+                    <a:p>
+                      <a:endParaRPr lang="en-US" sz="1000" b="0" i="1" dirty="0"/>
+                    </a:p>
+                  </a:txBody>
+                  <a:tcPr/>
+                </a:tc>
+                <a:tc>
+                  <a:txBody>
+                    <a:bodyPr/>
+                    <a:lstStyle/>
+                    <a:p>
+                      <a:endParaRPr lang="en-US" sz="1000" b="0" i="1" dirty="0"/>
+                    </a:p>
+                  </a:txBody>
+                  <a:tcPr/>
+                </a:tc>
+                <a:extLst>
+                  <a:ext uri="{0D108BD9-81ED-4DB2-BD59-A6C34878D82A}">
+                    <a16:rowId xmlns:a16="http://schemas.microsoft.com/office/drawing/2014/main" val="2385345212"/>
+                  </a:ext>
+                </a:extLst>
+              </a:tr>
+              <a:tr h="370840">
+                <a:tc>
+                  <a:txBody>
+                    <a:bodyPr/>
+                    <a:lstStyle/>
+                    <a:p>
+                      <a:r>
+                        <a:rPr lang="en-US" sz="1000" dirty="0" err="1"/>
+                        <a:t>vendorID</a:t>
+                      </a:r>
+                      <a:endParaRPr lang="en-US" sz="1000" dirty="0"/>
+                    </a:p>
+                    <a:p>
+                      <a:r>
+                        <a:rPr lang="en-US" sz="1000" dirty="0" err="1"/>
+                        <a:t>lpep_pickup_datetime</a:t>
+                      </a:r>
+                      <a:endParaRPr lang="en-US" sz="1000" dirty="0"/>
+                    </a:p>
+                    <a:p>
+                      <a:r>
+                        <a:rPr lang="en-US" sz="1000" dirty="0" err="1"/>
+                        <a:t>lpep_dropoff_datetime</a:t>
+                      </a:r>
+                      <a:endParaRPr lang="en-US" sz="1000" dirty="0"/>
+                    </a:p>
+                    <a:p>
+                      <a:r>
+                        <a:rPr lang="en-US" sz="1000" dirty="0" err="1"/>
+                        <a:t>passenger_count</a:t>
+                      </a:r>
+                      <a:endParaRPr lang="en-US" sz="1000" dirty="0"/>
+                    </a:p>
+                    <a:p>
+                      <a:r>
+                        <a:rPr lang="en-US" sz="1000" dirty="0" err="1"/>
+                        <a:t>trip_distance</a:t>
+                      </a:r>
+                      <a:endParaRPr lang="en-US" sz="1000" dirty="0"/>
+                    </a:p>
+                    <a:p>
+                      <a:r>
+                        <a:rPr lang="en-US" sz="1000" dirty="0" err="1"/>
+                        <a:t>pickup_longitude</a:t>
+                      </a:r>
+                      <a:endParaRPr lang="en-US" sz="1000" dirty="0"/>
+                    </a:p>
+                    <a:p>
+                      <a:r>
+                        <a:rPr lang="en-US" sz="1000" dirty="0" err="1"/>
+                        <a:t>pickup_latitude</a:t>
+                      </a:r>
+                      <a:endParaRPr lang="en-US" sz="1000" dirty="0"/>
+                    </a:p>
+                    <a:p>
+                      <a:r>
+                        <a:rPr lang="en-US" sz="1000" dirty="0" err="1"/>
+                        <a:t>RateCodeID</a:t>
+                      </a:r>
+                      <a:endParaRPr lang="en-US" sz="1000" dirty="0"/>
+                    </a:p>
+                    <a:p>
+                      <a:r>
+                        <a:rPr lang="en-US" sz="1000" dirty="0"/>
+                        <a:t>Store_and_fwd_flag</a:t>
+                      </a:r>
+                    </a:p>
+                    <a:p>
+                      <a:r>
+                        <a:rPr lang="en-US" sz="1000" dirty="0"/>
+                        <a:t>Dropoff_longitude</a:t>
+                      </a:r>
+                    </a:p>
+                    <a:p>
+                      <a:r>
+                        <a:rPr lang="en-US" sz="1000" dirty="0"/>
+                        <a:t>Dropoff_latitude</a:t>
+                      </a:r>
+                    </a:p>
+                    <a:p>
+                      <a:r>
+                        <a:rPr lang="en-US" sz="1000" dirty="0"/>
+                        <a:t>Payment_type</a:t>
+                      </a:r>
+                    </a:p>
+                    <a:p>
+                      <a:r>
+                        <a:rPr lang="en-US" sz="1000" dirty="0"/>
+                        <a:t>Fare_amount</a:t>
+                      </a:r>
+                    </a:p>
+                    <a:p>
+                      <a:r>
+                        <a:rPr lang="en-US" sz="1000" dirty="0"/>
+                        <a:t>Extra</a:t>
+                      </a:r>
+                    </a:p>
+                    <a:p>
+                      <a:r>
+                        <a:rPr lang="en-US" sz="1000" dirty="0"/>
+                        <a:t>Mta_tax</a:t>
+                      </a:r>
+                    </a:p>
+                    <a:p>
+                      <a:pPr marL="0" marR="0" lvl="0" indent="0" algn="l" defTabSz="914400" rtl="0" eaLnBrk="1" fontAlgn="auto" latinLnBrk="0" hangingPunct="1">
+                        <a:lnSpc>
+                          <a:spcPct val="100000"/>
+                        </a:lnSpc>
+                        <a:spcBef>
+                          <a:spcPts val="0"/>
+                        </a:spcBef>
+                        <a:spcAft>
+                          <a:spcPts val="0"/>
+                        </a:spcAft>
+                        <a:buClrTx/>
+                        <a:buSzTx/>
+                        <a:buFontTx/>
+                        <a:buNone/>
+                        <a:tabLst/>
+                        <a:defRPr/>
+                      </a:pPr>
+                      <a:r>
+                        <a:rPr lang="en-US" sz="1000" dirty="0" err="1"/>
+                        <a:t>Improvement_surcharge</a:t>
+                      </a:r>
+                      <a:endParaRPr lang="en-US" sz="1000" dirty="0"/>
+                    </a:p>
+                    <a:p>
+                      <a:r>
+                        <a:rPr lang="en-US" sz="1000" dirty="0" err="1"/>
+                        <a:t>Tip_amount</a:t>
+                      </a:r>
+                      <a:endParaRPr lang="en-US" sz="1000" dirty="0"/>
+                    </a:p>
+                    <a:p>
+                      <a:r>
+                        <a:rPr lang="en-US" sz="1000" dirty="0"/>
+                        <a:t>Tolls_amount</a:t>
+                      </a:r>
+                    </a:p>
+                    <a:p>
+                      <a:r>
+                        <a:rPr lang="en-US" sz="1000" dirty="0" err="1"/>
+                        <a:t>Total_amount</a:t>
+                      </a:r>
+                      <a:endParaRPr lang="en-US" sz="1000" dirty="0"/>
+                    </a:p>
+                    <a:p>
+                      <a:r>
+                        <a:rPr lang="en-US" sz="1000" dirty="0" err="1"/>
+                        <a:t>Trip_type</a:t>
+                      </a:r>
+                      <a:endParaRPr lang="en-US" sz="1000" dirty="0"/>
+                    </a:p>
+                  </a:txBody>
+                  <a:tcPr/>
+                </a:tc>
+                <a:tc>
+                  <a:txBody>
+                    <a:bodyPr/>
+                    <a:lstStyle/>
+                    <a:p>
+                      <a:r>
+                        <a:rPr lang="en-US" sz="1000" dirty="0"/>
+                        <a:t>int</a:t>
+                      </a:r>
+                    </a:p>
+                    <a:p>
+                      <a:r>
+                        <a:rPr lang="en-US" sz="1000" dirty="0"/>
+                        <a:t>date</a:t>
+                      </a:r>
+                    </a:p>
+                    <a:p>
+                      <a:r>
+                        <a:rPr lang="en-US" sz="1000" dirty="0"/>
+                        <a:t>date</a:t>
+                      </a:r>
+                    </a:p>
+                    <a:p>
+                      <a:r>
+                        <a:rPr lang="en-US" sz="1000" dirty="0"/>
+                        <a:t>int</a:t>
+                      </a:r>
+                    </a:p>
+                    <a:p>
+                      <a:r>
+                        <a:rPr lang="en-US" sz="1000" dirty="0"/>
+                        <a:t>decimal</a:t>
+                      </a:r>
+                    </a:p>
+                    <a:p>
+                      <a:r>
+                        <a:rPr lang="en-US" sz="1000" dirty="0"/>
+                        <a:t>decimal</a:t>
+                      </a:r>
+                    </a:p>
+                    <a:p>
+                      <a:r>
+                        <a:rPr lang="en-US" sz="1000" dirty="0"/>
+                        <a:t>decimal</a:t>
+                      </a:r>
+                    </a:p>
+                    <a:p>
+                      <a:r>
+                        <a:rPr lang="en-US" sz="1000" dirty="0"/>
+                        <a:t>int</a:t>
+                      </a:r>
+                    </a:p>
+                    <a:p>
+                      <a:r>
+                        <a:rPr lang="en-US" sz="1000" dirty="0"/>
+                        <a:t>string</a:t>
+                      </a:r>
+                    </a:p>
+                    <a:p>
+                      <a:r>
+                        <a:rPr lang="en-US" sz="1000" dirty="0"/>
+                        <a:t>decimal</a:t>
+                      </a:r>
+                    </a:p>
+                    <a:p>
+                      <a:r>
+                        <a:rPr lang="en-US" sz="1000" dirty="0"/>
+                        <a:t>decimal</a:t>
+                      </a:r>
+                    </a:p>
+                    <a:p>
+                      <a:r>
+                        <a:rPr lang="en-US" sz="1000" dirty="0"/>
+                        <a:t>int</a:t>
+                      </a:r>
+                    </a:p>
+                    <a:p>
+                      <a:r>
+                        <a:rPr lang="en-US" sz="1000" dirty="0"/>
+                        <a:t>decimal</a:t>
+                      </a:r>
+                    </a:p>
+                    <a:p>
+                      <a:r>
+                        <a:rPr lang="en-US" sz="1000" dirty="0"/>
+                        <a:t>decimal</a:t>
+                      </a:r>
+                    </a:p>
+                    <a:p>
+                      <a:r>
+                        <a:rPr lang="en-US" sz="1000" dirty="0"/>
+                        <a:t>decimal</a:t>
+                      </a:r>
+                    </a:p>
+                    <a:p>
+                      <a:r>
+                        <a:rPr lang="en-US" sz="1000" dirty="0"/>
+                        <a:t>decimal</a:t>
+                      </a:r>
+                    </a:p>
+                    <a:p>
+                      <a:r>
+                        <a:rPr lang="en-US" sz="1000" dirty="0"/>
+                        <a:t>decimal</a:t>
+                      </a:r>
+                    </a:p>
+                    <a:p>
+                      <a:r>
+                        <a:rPr lang="en-US" sz="1000" dirty="0"/>
+                        <a:t>decimal</a:t>
+                      </a:r>
+                    </a:p>
+                    <a:p>
+                      <a:r>
+                        <a:rPr lang="en-US" sz="1000" dirty="0"/>
+                        <a:t>Decimal</a:t>
+                      </a:r>
+                    </a:p>
+                    <a:p>
+                      <a:r>
+                        <a:rPr lang="en-US" sz="1000" dirty="0" err="1"/>
+                        <a:t>int</a:t>
+                      </a:r>
+                      <a:endParaRPr lang="en-US" sz="1000" dirty="0"/>
+                    </a:p>
+                  </a:txBody>
+                  <a:tcPr/>
+                </a:tc>
+                <a:extLst>
+                  <a:ext uri="{0D108BD9-81ED-4DB2-BD59-A6C34878D82A}">
+                    <a16:rowId xmlns:a16="http://schemas.microsoft.com/office/drawing/2014/main" val="973132991"/>
+                  </a:ext>
+                </a:extLst>
+              </a:tr>
+            </a:tbl>
+          </a:graphicData>
+        </a:graphic>
+      </p:graphicFrame>
+      <p:sp>
+        <p:nvSpPr>
+          <p:cNvPr id="9" name="Rectangle 8"/>
+          <p:cNvSpPr/>
+          <p:nvPr/>
+        </p:nvSpPr>
+        <p:spPr>
+          <a:xfrm>
+            <a:off x="6575690" y="812516"/>
+            <a:ext cx="2335090" cy="276999"/>
+          </a:xfrm>
+          <a:prstGeom prst="rect">
+            <a:avLst/>
+          </a:prstGeom>
+        </p:spPr>
+        <p:txBody>
+          <a:bodyPr wrap="square">
+            <a:spAutoFit/>
+          </a:bodyPr>
+          <a:lstStyle/>
+          <a:p>
+            <a:pPr algn="ctr"/>
+            <a:r>
+              <a:rPr lang="en-US" sz="1200" b="1" dirty="0" err="1"/>
+              <a:t>fhv_rides_schema</a:t>
+            </a:r>
+            <a:endParaRPr lang="en-US" sz="1200" b="1" dirty="0"/>
+          </a:p>
+        </p:txBody>
+      </p:sp>
+      <p:graphicFrame>
+        <p:nvGraphicFramePr>
+          <p:cNvPr id="10" name="Table 9"/>
+          <p:cNvGraphicFramePr>
+            <a:graphicFrameLocks noGrp="1"/>
+          </p:cNvGraphicFramePr>
+          <p:nvPr>
+            <p:extLst>
+              <p:ext uri="{D42A27DB-BD31-4B8C-83A1-F6EECF244321}">
+                <p14:modId xmlns:p14="http://schemas.microsoft.com/office/powerpoint/2010/main" val="4209283898"/>
+              </p:ext>
+            </p:extLst>
+          </p:nvPr>
+        </p:nvGraphicFramePr>
+        <p:xfrm>
+          <a:off x="6575689" y="1082946"/>
+          <a:ext cx="2335091" cy="792480"/>
+        </p:xfrm>
+        <a:graphic>
+          <a:graphicData uri="http://schemas.openxmlformats.org/drawingml/2006/table">
+            <a:tbl>
+              <a:tblPr bandRow="1">
+                <a:tableStyleId>{5C22544A-7EE6-4342-B048-85BDC9FD1C3A}</a:tableStyleId>
+              </a:tblPr>
+              <a:tblGrid>
+                <a:gridCol w="1717024">
+                  <a:extLst>
+                    <a:ext uri="{9D8B030D-6E8A-4147-A177-3AD203B41FA5}">
+                      <a16:colId xmlns:a16="http://schemas.microsoft.com/office/drawing/2014/main" val="2146396053"/>
+                    </a:ext>
+                  </a:extLst>
+                </a:gridCol>
+                <a:gridCol w="618067">
+                  <a:extLst>
+                    <a:ext uri="{9D8B030D-6E8A-4147-A177-3AD203B41FA5}">
+                      <a16:colId xmlns:a16="http://schemas.microsoft.com/office/drawing/2014/main" val="872119490"/>
+                    </a:ext>
+                  </a:extLst>
+                </a:gridCol>
+              </a:tblGrid>
+              <a:tr h="221367">
+                <a:tc>
+                  <a:txBody>
+                    <a:bodyPr/>
+                    <a:lstStyle/>
+                    <a:p>
+                      <a:endParaRPr lang="en-US" sz="1000" b="0" i="1" dirty="0"/>
+                    </a:p>
+                  </a:txBody>
+                  <a:tcPr/>
+                </a:tc>
+                <a:tc>
+                  <a:txBody>
+                    <a:bodyPr/>
+                    <a:lstStyle/>
+                    <a:p>
+                      <a:endParaRPr lang="en-US" sz="1000" b="0" i="1" dirty="0"/>
+                    </a:p>
+                  </a:txBody>
+                  <a:tcPr/>
+                </a:tc>
+                <a:extLst>
+                  <a:ext uri="{0D108BD9-81ED-4DB2-BD59-A6C34878D82A}">
+                    <a16:rowId xmlns:a16="http://schemas.microsoft.com/office/drawing/2014/main" val="2385345212"/>
+                  </a:ext>
+                </a:extLst>
+              </a:tr>
+              <a:tr h="370840">
+                <a:tc>
+                  <a:txBody>
+                    <a:bodyPr/>
+                    <a:lstStyle/>
+                    <a:p>
+                      <a:r>
+                        <a:rPr lang="en-US" sz="1000" dirty="0" err="1"/>
+                        <a:t>dispatching_base_num</a:t>
+                      </a:r>
+                      <a:r>
+                        <a:rPr lang="en-US" sz="1000" dirty="0"/>
+                        <a:t>  </a:t>
+                      </a:r>
+                      <a:r>
+                        <a:rPr lang="en-US" sz="1000" dirty="0" err="1"/>
+                        <a:t>pickup_date</a:t>
+                      </a:r>
+                      <a:endParaRPr lang="en-US" sz="1000" dirty="0"/>
+                    </a:p>
+                    <a:p>
+                      <a:r>
+                        <a:rPr lang="en-US" sz="1000" dirty="0" err="1"/>
+                        <a:t>locationID</a:t>
+                      </a:r>
+                      <a:r>
+                        <a:rPr lang="en-US" sz="1000" dirty="0"/>
+                        <a:t> </a:t>
+                      </a:r>
+                      <a:endParaRPr lang="en-US" sz="1000" dirty="0"/>
+                    </a:p>
+                  </a:txBody>
+                  <a:tcPr/>
+                </a:tc>
+                <a:tc>
+                  <a:txBody>
+                    <a:bodyPr/>
+                    <a:lstStyle/>
+                    <a:p>
+                      <a:r>
+                        <a:rPr lang="en-US" sz="1000" dirty="0"/>
+                        <a:t>int</a:t>
+                      </a:r>
+                    </a:p>
+                    <a:p>
+                      <a:r>
+                        <a:rPr lang="en-US" sz="1000" dirty="0"/>
+                        <a:t>date</a:t>
+                      </a:r>
+                    </a:p>
+                    <a:p>
+                      <a:r>
+                        <a:rPr lang="en-US" sz="1000" dirty="0" err="1"/>
+                        <a:t>int</a:t>
+                      </a:r>
+                      <a:endParaRPr lang="en-US" sz="1000" dirty="0"/>
+                    </a:p>
+                  </a:txBody>
+                  <a:tcPr/>
+                </a:tc>
+                <a:extLst>
+                  <a:ext uri="{0D108BD9-81ED-4DB2-BD59-A6C34878D82A}">
+                    <a16:rowId xmlns:a16="http://schemas.microsoft.com/office/drawing/2014/main" val="973132991"/>
+                  </a:ext>
+                </a:extLst>
+              </a:tr>
+            </a:tbl>
+          </a:graphicData>
+        </a:graphic>
+      </p:graphicFrame>
     </p:spTree>
     <p:extLst>
       <p:ext uri="{BB962C8B-B14F-4D97-AF65-F5344CB8AC3E}">
@@ -4061,13 +4619,8 @@
             </a:pPr>
             <a:r>
               <a:rPr lang="en-US" sz="1000" dirty="0"/>
-              <a:t>Payment Types:  (</a:t>
-            </a:r>
-            <a:r>
-              <a:rPr lang="en-US" sz="1000" dirty="0"/>
-              <a:t>1= Credit card, 2= Cash, 3= No charge, 4= Dispute, 5= Unknown, 6= Voided trip)</a:t>
-            </a:r>
-            <a:endParaRPr lang="en-US" sz="1000" dirty="0"/>
+              <a:t>Payment Types:  (1= Credit card, 2= Cash, 3= No charge, 4= Dispute, 5= Unknown, 6= Voided trip)</a:t>
+            </a:r>
           </a:p>
           <a:p>
             <a:pPr marL="342900" indent="-342900">

--- a/Taxi-Weather-ERD-20161104.pptx
+++ b/Taxi-Weather-ERD-20161104.pptx
@@ -242,7 +242,7 @@
           <a:p>
             <a:fld id="{243A789B-F390-4516-8E41-B6D2B49252CC}" type="datetimeFigureOut">
               <a:rPr lang="en-US" smtClean="0"/>
-              <a:t>11/12/2016</a:t>
+              <a:t>11/14/2016</a:t>
             </a:fld>
             <a:endParaRPr lang="en-US" dirty="0"/>
           </a:p>
@@ -410,7 +410,7 @@
           <a:p>
             <a:fld id="{243A789B-F390-4516-8E41-B6D2B49252CC}" type="datetimeFigureOut">
               <a:rPr lang="en-US" smtClean="0"/>
-              <a:t>11/12/2016</a:t>
+              <a:t>11/14/2016</a:t>
             </a:fld>
             <a:endParaRPr lang="en-US" dirty="0"/>
           </a:p>
@@ -588,7 +588,7 @@
           <a:p>
             <a:fld id="{243A789B-F390-4516-8E41-B6D2B49252CC}" type="datetimeFigureOut">
               <a:rPr lang="en-US" smtClean="0"/>
-              <a:t>11/12/2016</a:t>
+              <a:t>11/14/2016</a:t>
             </a:fld>
             <a:endParaRPr lang="en-US" dirty="0"/>
           </a:p>
@@ -756,7 +756,7 @@
           <a:p>
             <a:fld id="{243A789B-F390-4516-8E41-B6D2B49252CC}" type="datetimeFigureOut">
               <a:rPr lang="en-US" smtClean="0"/>
-              <a:t>11/12/2016</a:t>
+              <a:t>11/14/2016</a:t>
             </a:fld>
             <a:endParaRPr lang="en-US" dirty="0"/>
           </a:p>
@@ -1001,7 +1001,7 @@
           <a:p>
             <a:fld id="{243A789B-F390-4516-8E41-B6D2B49252CC}" type="datetimeFigureOut">
               <a:rPr lang="en-US" smtClean="0"/>
-              <a:t>11/12/2016</a:t>
+              <a:t>11/14/2016</a:t>
             </a:fld>
             <a:endParaRPr lang="en-US" dirty="0"/>
           </a:p>
@@ -1230,7 +1230,7 @@
           <a:p>
             <a:fld id="{243A789B-F390-4516-8E41-B6D2B49252CC}" type="datetimeFigureOut">
               <a:rPr lang="en-US" smtClean="0"/>
-              <a:t>11/12/2016</a:t>
+              <a:t>11/14/2016</a:t>
             </a:fld>
             <a:endParaRPr lang="en-US" dirty="0"/>
           </a:p>
@@ -1594,7 +1594,7 @@
           <a:p>
             <a:fld id="{243A789B-F390-4516-8E41-B6D2B49252CC}" type="datetimeFigureOut">
               <a:rPr lang="en-US" smtClean="0"/>
-              <a:t>11/12/2016</a:t>
+              <a:t>11/14/2016</a:t>
             </a:fld>
             <a:endParaRPr lang="en-US" dirty="0"/>
           </a:p>
@@ -1711,7 +1711,7 @@
           <a:p>
             <a:fld id="{243A789B-F390-4516-8E41-B6D2B49252CC}" type="datetimeFigureOut">
               <a:rPr lang="en-US" smtClean="0"/>
-              <a:t>11/12/2016</a:t>
+              <a:t>11/14/2016</a:t>
             </a:fld>
             <a:endParaRPr lang="en-US" dirty="0"/>
           </a:p>
@@ -1806,7 +1806,7 @@
           <a:p>
             <a:fld id="{243A789B-F390-4516-8E41-B6D2B49252CC}" type="datetimeFigureOut">
               <a:rPr lang="en-US" smtClean="0"/>
-              <a:t>11/12/2016</a:t>
+              <a:t>11/14/2016</a:t>
             </a:fld>
             <a:endParaRPr lang="en-US" dirty="0"/>
           </a:p>
@@ -2081,7 +2081,7 @@
           <a:p>
             <a:fld id="{243A789B-F390-4516-8E41-B6D2B49252CC}" type="datetimeFigureOut">
               <a:rPr lang="en-US" smtClean="0"/>
-              <a:t>11/12/2016</a:t>
+              <a:t>11/14/2016</a:t>
             </a:fld>
             <a:endParaRPr lang="en-US" dirty="0"/>
           </a:p>
@@ -2333,7 +2333,7 @@
           <a:p>
             <a:fld id="{243A789B-F390-4516-8E41-B6D2B49252CC}" type="datetimeFigureOut">
               <a:rPr lang="en-US" smtClean="0"/>
-              <a:t>11/12/2016</a:t>
+              <a:t>11/14/2016</a:t>
             </a:fld>
             <a:endParaRPr lang="en-US" dirty="0"/>
           </a:p>
@@ -2544,7 +2544,7 @@
           <a:p>
             <a:fld id="{243A789B-F390-4516-8E41-B6D2B49252CC}" type="datetimeFigureOut">
               <a:rPr lang="en-US" smtClean="0"/>
-              <a:t>11/12/2016</a:t>
+              <a:t>11/14/2016</a:t>
             </a:fld>
             <a:endParaRPr lang="en-US" dirty="0"/>
           </a:p>
@@ -3890,7 +3890,6 @@
                         <a:rPr lang="en-US" sz="1000" dirty="0"/>
                         <a:t> </a:t>
                       </a:r>
-                      <a:endParaRPr lang="en-US" sz="1000" dirty="0"/>
                     </a:p>
                   </a:txBody>
                   <a:tcPr/>
@@ -3999,14 +3998,14 @@
           <p:nvPr>
             <p:extLst>
               <p:ext uri="{D42A27DB-BD31-4B8C-83A1-F6EECF244321}">
-                <p14:modId xmlns:p14="http://schemas.microsoft.com/office/powerpoint/2010/main" val="155587488"/>
+                <p14:modId xmlns:p14="http://schemas.microsoft.com/office/powerpoint/2010/main" val="2185250531"/>
               </p:ext>
             </p:extLst>
           </p:nvPr>
         </p:nvGraphicFramePr>
         <p:xfrm>
           <a:off x="10051643" y="285182"/>
-          <a:ext cx="1758768" cy="3992880"/>
+          <a:ext cx="2050832" cy="2621280"/>
         </p:xfrm>
         <a:graphic>
           <a:graphicData uri="http://schemas.openxmlformats.org/drawingml/2006/table">
@@ -4015,14 +4014,14 @@
                 <a:tableStyleId>{5C22544A-7EE6-4342-B048-85BDC9FD1C3A}</a:tableStyleId>
               </a:tblPr>
               <a:tblGrid>
-                <a:gridCol w="1322328">
+                <a:gridCol w="1382975">
                   <a:extLst>
                     <a:ext uri="{9D8B030D-6E8A-4147-A177-3AD203B41FA5}">
                       <a16:colId xmlns:a16="http://schemas.microsoft.com/office/drawing/2014/main" val="2146396053"/>
                     </a:ext>
                   </a:extLst>
                 </a:gridCol>
-                <a:gridCol w="436440">
+                <a:gridCol w="667857">
                   <a:extLst>
                     <a:ext uri="{9D8B030D-6E8A-4147-A177-3AD203B41FA5}">
                       <a16:colId xmlns:a16="http://schemas.microsoft.com/office/drawing/2014/main" val="872119490"/>
@@ -4070,9 +4069,17 @@
                     <a:lstStyle/>
                     <a:p>
                       <a:r>
-                        <a:rPr lang="en-US" sz="1000" dirty="0"/>
+                        <a:rPr lang="en-US" sz="1000" dirty="0" err="1"/>
+                        <a:t>ride_source</a:t>
+                      </a:r>
+                      <a:endParaRPr lang="en-US" sz="1000" dirty="0"/>
+                    </a:p>
+                    <a:p>
+                      <a:r>
+                        <a:rPr lang="en-US" sz="1000" dirty="0" err="1"/>
                         <a:t>passenger_count</a:t>
                       </a:r>
+                      <a:endParaRPr lang="en-US" sz="1000" dirty="0"/>
                     </a:p>
                     <a:p>
                       <a:r>
@@ -4178,8 +4185,15 @@
                     <a:p>
                       <a:r>
                         <a:rPr lang="en-US" sz="1000" dirty="0"/>
+                        <a:t>string</a:t>
+                      </a:r>
+                    </a:p>
+                    <a:p>
+                      <a:r>
+                        <a:rPr lang="en-US" sz="1000" dirty="0" err="1"/>
                         <a:t>int</a:t>
                       </a:r>
+                      <a:endParaRPr lang="en-US" sz="1000" dirty="0"/>
                     </a:p>
                     <a:p>
                       <a:r>
@@ -4375,7 +4389,7 @@
                       </a:pPr>
                       <a:r>
                         <a:rPr lang="en-US" sz="1000" dirty="0"/>
-                        <a:t>decimal</a:t>
+                        <a:t>Decimal</a:t>
                       </a:r>
                     </a:p>
                   </a:txBody>
@@ -4399,7 +4413,7 @@
         </p:nvSpPr>
         <p:spPr>
           <a:xfrm>
-            <a:off x="8716394" y="2963251"/>
+            <a:off x="7940543" y="2963251"/>
             <a:ext cx="2075895" cy="276999"/>
           </a:xfrm>
           <a:prstGeom prst="rect">
@@ -4429,13 +4443,13 @@
           <p:nvPr>
             <p:extLst>
               <p:ext uri="{D42A27DB-BD31-4B8C-83A1-F6EECF244321}">
-                <p14:modId xmlns:p14="http://schemas.microsoft.com/office/powerpoint/2010/main" val="3335883303"/>
+                <p14:modId xmlns:p14="http://schemas.microsoft.com/office/powerpoint/2010/main" val="4075537490"/>
               </p:ext>
             </p:extLst>
           </p:nvPr>
         </p:nvGraphicFramePr>
         <p:xfrm>
-          <a:off x="8716394" y="3233681"/>
+          <a:off x="7940543" y="3233681"/>
           <a:ext cx="2086755" cy="584447"/>
         </p:xfrm>
         <a:graphic>
@@ -4671,7 +4685,7 @@
         </p:nvSpPr>
         <p:spPr>
           <a:xfrm flipH="1">
-            <a:off x="8515715" y="3025391"/>
+            <a:off x="8880522" y="2815481"/>
             <a:ext cx="649446" cy="215444"/>
           </a:xfrm>
           <a:prstGeom prst="rect">
@@ -5991,7 +6005,7 @@
         </p:nvSpPr>
         <p:spPr>
           <a:xfrm>
-            <a:off x="4290634" y="2105507"/>
+            <a:off x="5066543" y="847254"/>
             <a:ext cx="186431" cy="215444"/>
           </a:xfrm>
           <a:prstGeom prst="rect">
@@ -6051,8 +6065,8 @@
         </p:nvCxnSpPr>
         <p:spPr>
           <a:xfrm flipH="1" flipV="1">
-            <a:off x="4126814" y="2155350"/>
-            <a:ext cx="880931" cy="930240"/>
+            <a:off x="5066543" y="952833"/>
+            <a:ext cx="466025" cy="1247538"/>
           </a:xfrm>
           <a:prstGeom prst="line">
             <a:avLst/>
@@ -6080,9 +6094,9 @@
           <p:nvPr/>
         </p:nvSpPr>
         <p:spPr>
-          <a:xfrm>
-            <a:off x="5136202" y="2817746"/>
-            <a:ext cx="186431" cy="215444"/>
+          <a:xfrm flipH="1">
+            <a:off x="5322633" y="1999568"/>
+            <a:ext cx="102873" cy="215444"/>
           </a:xfrm>
           <a:prstGeom prst="rect">
             <a:avLst/>
